--- a/Chapter 03/304.pptx
+++ b/Chapter 03/304.pptx
@@ -3868,7 +3868,7 @@
           <a:p>
             <a:r>
               <a:rPr lang="zh-CN" altLang="en-US" dirty="0"/>
-              <a:t>如果静态构造函数抛出了未处理的异常，那么这个类型在该程序的剩余声明周期内将无法使用了</a:t>
+              <a:t>如果静态构造函数抛出了未处理的异常，那么这个类型在该程序的剩余生命周期内将无法使用了</a:t>
             </a:r>
             <a:endParaRPr lang="en-US" dirty="0"/>
           </a:p>
@@ -3963,7 +3963,7 @@
           <a:p>
             <a:r>
               <a:rPr lang="zh-CN" altLang="en-US" dirty="0"/>
-              <a:t>如果类型没有静态构造函数，那么静态字段初始化器在类型被使用之前的一瞬间执行，或者在运行时突发奇想的时候执行</a:t>
+              <a:t>如果类型没有静态构造函数，那么静态字段初始化器在类型被使用之前的一瞬间执行，或者更早，在运行时突发奇想的时候执行</a:t>
             </a:r>
             <a:endParaRPr lang="en-US" altLang="zh-CN" dirty="0"/>
           </a:p>
